--- a/images/backendstruktur.pptx
+++ b/images/backendstruktur.pptx
@@ -198,7 +198,7 @@
           <a:p>
             <a:fld id="{E71607D5-80FF-4A9B-9C1D-5B25545A6D10}" type="datetimeFigureOut">
               <a:rPr lang="en-DE" smtClean="0"/>
-              <a:t>14/05/2021</a:t>
+              <a:t>15/05/2021</a:t>
             </a:fld>
             <a:endParaRPr lang="en-DE"/>
           </a:p>
@@ -615,7 +615,7 @@
           <a:p>
             <a:fld id="{2F18ADCA-FBE7-493E-9E09-BBC3DE1E243B}" type="datetimeFigureOut">
               <a:rPr lang="en-DE" smtClean="0"/>
-              <a:t>14/05/2021</a:t>
+              <a:t>15/05/2021</a:t>
             </a:fld>
             <a:endParaRPr lang="en-DE"/>
           </a:p>
@@ -815,7 +815,7 @@
           <a:p>
             <a:fld id="{2F18ADCA-FBE7-493E-9E09-BBC3DE1E243B}" type="datetimeFigureOut">
               <a:rPr lang="en-DE" smtClean="0"/>
-              <a:t>14/05/2021</a:t>
+              <a:t>15/05/2021</a:t>
             </a:fld>
             <a:endParaRPr lang="en-DE"/>
           </a:p>
@@ -1025,7 +1025,7 @@
           <a:p>
             <a:fld id="{2F18ADCA-FBE7-493E-9E09-BBC3DE1E243B}" type="datetimeFigureOut">
               <a:rPr lang="en-DE" smtClean="0"/>
-              <a:t>14/05/2021</a:t>
+              <a:t>15/05/2021</a:t>
             </a:fld>
             <a:endParaRPr lang="en-DE"/>
           </a:p>
@@ -1225,7 +1225,7 @@
           <a:p>
             <a:fld id="{2F18ADCA-FBE7-493E-9E09-BBC3DE1E243B}" type="datetimeFigureOut">
               <a:rPr lang="en-DE" smtClean="0"/>
-              <a:t>14/05/2021</a:t>
+              <a:t>15/05/2021</a:t>
             </a:fld>
             <a:endParaRPr lang="en-DE"/>
           </a:p>
@@ -1501,7 +1501,7 @@
           <a:p>
             <a:fld id="{2F18ADCA-FBE7-493E-9E09-BBC3DE1E243B}" type="datetimeFigureOut">
               <a:rPr lang="en-DE" smtClean="0"/>
-              <a:t>14/05/2021</a:t>
+              <a:t>15/05/2021</a:t>
             </a:fld>
             <a:endParaRPr lang="en-DE"/>
           </a:p>
@@ -1769,7 +1769,7 @@
           <a:p>
             <a:fld id="{2F18ADCA-FBE7-493E-9E09-BBC3DE1E243B}" type="datetimeFigureOut">
               <a:rPr lang="en-DE" smtClean="0"/>
-              <a:t>14/05/2021</a:t>
+              <a:t>15/05/2021</a:t>
             </a:fld>
             <a:endParaRPr lang="en-DE"/>
           </a:p>
@@ -2184,7 +2184,7 @@
           <a:p>
             <a:fld id="{2F18ADCA-FBE7-493E-9E09-BBC3DE1E243B}" type="datetimeFigureOut">
               <a:rPr lang="en-DE" smtClean="0"/>
-              <a:t>14/05/2021</a:t>
+              <a:t>15/05/2021</a:t>
             </a:fld>
             <a:endParaRPr lang="en-DE"/>
           </a:p>
@@ -2326,7 +2326,7 @@
           <a:p>
             <a:fld id="{2F18ADCA-FBE7-493E-9E09-BBC3DE1E243B}" type="datetimeFigureOut">
               <a:rPr lang="en-DE" smtClean="0"/>
-              <a:t>14/05/2021</a:t>
+              <a:t>15/05/2021</a:t>
             </a:fld>
             <a:endParaRPr lang="en-DE"/>
           </a:p>
@@ -2439,7 +2439,7 @@
           <a:p>
             <a:fld id="{2F18ADCA-FBE7-493E-9E09-BBC3DE1E243B}" type="datetimeFigureOut">
               <a:rPr lang="en-DE" smtClean="0"/>
-              <a:t>14/05/2021</a:t>
+              <a:t>15/05/2021</a:t>
             </a:fld>
             <a:endParaRPr lang="en-DE"/>
           </a:p>
@@ -2752,7 +2752,7 @@
           <a:p>
             <a:fld id="{2F18ADCA-FBE7-493E-9E09-BBC3DE1E243B}" type="datetimeFigureOut">
               <a:rPr lang="en-DE" smtClean="0"/>
-              <a:t>14/05/2021</a:t>
+              <a:t>15/05/2021</a:t>
             </a:fld>
             <a:endParaRPr lang="en-DE"/>
           </a:p>
@@ -3041,7 +3041,7 @@
           <a:p>
             <a:fld id="{2F18ADCA-FBE7-493E-9E09-BBC3DE1E243B}" type="datetimeFigureOut">
               <a:rPr lang="en-DE" smtClean="0"/>
-              <a:t>14/05/2021</a:t>
+              <a:t>15/05/2021</a:t>
             </a:fld>
             <a:endParaRPr lang="en-DE"/>
           </a:p>
@@ -3284,7 +3284,7 @@
           <a:p>
             <a:fld id="{2F18ADCA-FBE7-493E-9E09-BBC3DE1E243B}" type="datetimeFigureOut">
               <a:rPr lang="en-DE" smtClean="0"/>
-              <a:t>14/05/2021</a:t>
+              <a:t>15/05/2021</a:t>
             </a:fld>
             <a:endParaRPr lang="en-DE"/>
           </a:p>
@@ -3812,7 +3812,7 @@
             <a:pPr algn="ctr"/>
             <a:r>
               <a:rPr lang="en-US" dirty="0"/>
-              <a:t>movies.js</a:t>
+              <a:t>movie.js</a:t>
             </a:r>
             <a:endParaRPr lang="en-DE" dirty="0"/>
           </a:p>
@@ -3864,7 +3864,7 @@
             <a:pPr algn="ctr"/>
             <a:r>
               <a:rPr lang="en-US" dirty="0"/>
-              <a:t>matches.js</a:t>
+              <a:t>match.js</a:t>
             </a:r>
             <a:endParaRPr lang="en-DE" dirty="0"/>
           </a:p>
@@ -3916,7 +3916,7 @@
             <a:pPr algn="ctr"/>
             <a:r>
               <a:rPr lang="en-US" dirty="0"/>
-              <a:t>users.js</a:t>
+              <a:t>user.js</a:t>
             </a:r>
             <a:endParaRPr lang="en-DE" dirty="0"/>
           </a:p>
@@ -3968,7 +3968,7 @@
             <a:pPr algn="ctr"/>
             <a:r>
               <a:rPr lang="en-US" dirty="0"/>
-              <a:t>swipes.js</a:t>
+              <a:t>swipe.js</a:t>
             </a:r>
             <a:endParaRPr lang="en-DE" dirty="0"/>
           </a:p>

--- a/images/backendstruktur.pptx
+++ b/images/backendstruktur.pptx
@@ -3716,7 +3716,7 @@
         <p:spPr>
           <a:xfrm>
             <a:off x="243281" y="190850"/>
-            <a:ext cx="5410899" cy="1040235"/>
+            <a:ext cx="6851548" cy="1040235"/>
           </a:xfrm>
           <a:prstGeom prst="rect">
             <a:avLst/>
@@ -3989,7 +3989,7 @@
         <p:spPr>
           <a:xfrm>
             <a:off x="243281" y="1600201"/>
-            <a:ext cx="5410899" cy="1828799"/>
+            <a:ext cx="6851548" cy="1750439"/>
           </a:xfrm>
           <a:prstGeom prst="rect">
             <a:avLst/>
@@ -4041,9 +4041,6 @@
             <a:endParaRPr lang="en-US" dirty="0"/>
           </a:p>
           <a:p>
-            <a:endParaRPr lang="en-US" dirty="0"/>
-          </a:p>
-          <a:p>
             <a:endParaRPr lang="en-DE" dirty="0"/>
           </a:p>
         </p:txBody>
@@ -4063,7 +4060,7 @@
         <p:spPr>
           <a:xfrm>
             <a:off x="385892" y="1989241"/>
-            <a:ext cx="2543263" cy="549128"/>
+            <a:ext cx="1929469" cy="549128"/>
           </a:xfrm>
           <a:prstGeom prst="rect">
             <a:avLst/>
@@ -4114,8 +4111,8 @@
         </p:nvSpPr>
         <p:spPr>
           <a:xfrm>
-            <a:off x="3006055" y="1984695"/>
-            <a:ext cx="2543263" cy="553673"/>
+            <a:off x="2552348" y="1984696"/>
+            <a:ext cx="2067887" cy="553673"/>
           </a:xfrm>
           <a:prstGeom prst="rect">
             <a:avLst/>
@@ -4166,8 +4163,8 @@
         </p:nvSpPr>
         <p:spPr>
           <a:xfrm>
-            <a:off x="385892" y="2678535"/>
-            <a:ext cx="2543262" cy="610299"/>
+            <a:off x="385892" y="2678536"/>
+            <a:ext cx="1929469" cy="549128"/>
           </a:xfrm>
           <a:prstGeom prst="rect">
             <a:avLst/>
@@ -4218,8 +4215,8 @@
         </p:nvSpPr>
         <p:spPr>
           <a:xfrm>
-            <a:off x="3006055" y="2688673"/>
-            <a:ext cx="2543262" cy="600162"/>
+            <a:off x="2552349" y="2662154"/>
+            <a:ext cx="2067887" cy="549128"/>
           </a:xfrm>
           <a:prstGeom prst="rect">
             <a:avLst/>
@@ -4256,34 +4253,6 @@
           </a:p>
         </p:txBody>
       </p:sp>
-      <p:pic>
-        <p:nvPicPr>
-          <p:cNvPr id="16" name="Grafik 15">
-            <a:extLst>
-              <a:ext uri="{FF2B5EF4-FFF2-40B4-BE49-F238E27FC236}">
-                <a16:creationId xmlns:a16="http://schemas.microsoft.com/office/drawing/2014/main" id="{421663E3-86A8-409F-A0AE-A664616F4307}"/>
-              </a:ext>
-            </a:extLst>
-          </p:cNvPr>
-          <p:cNvPicPr/>
-          <p:nvPr/>
-        </p:nvPicPr>
-        <p:blipFill>
-          <a:blip r:embed="rId2"/>
-          <a:stretch>
-            <a:fillRect/>
-          </a:stretch>
-        </p:blipFill>
-        <p:spPr>
-          <a:xfrm>
-            <a:off x="6074597" y="358810"/>
-            <a:ext cx="5731510" cy="2109470"/>
-          </a:xfrm>
-          <a:prstGeom prst="rect">
-            <a:avLst/>
-          </a:prstGeom>
-        </p:spPr>
-      </p:pic>
       <p:sp>
         <p:nvSpPr>
           <p:cNvPr id="17" name="Rechteck 16">
@@ -4930,6 +4899,110 @@
           </a:fontRef>
         </p:style>
       </p:cxnSp>
+      <p:sp>
+        <p:nvSpPr>
+          <p:cNvPr id="27" name="Rechteck 26">
+            <a:extLst>
+              <a:ext uri="{FF2B5EF4-FFF2-40B4-BE49-F238E27FC236}">
+                <a16:creationId xmlns:a16="http://schemas.microsoft.com/office/drawing/2014/main" id="{CF786659-27A9-4B70-A0A9-BD5B9B141240}"/>
+              </a:ext>
+            </a:extLst>
+          </p:cNvPr>
+          <p:cNvSpPr/>
+          <p:nvPr/>
+        </p:nvSpPr>
+        <p:spPr>
+          <a:xfrm>
+            <a:off x="5691930" y="559966"/>
+            <a:ext cx="1233182" cy="562062"/>
+          </a:xfrm>
+          <a:prstGeom prst="rect">
+            <a:avLst/>
+          </a:prstGeom>
+          <a:ln>
+            <a:headEnd type="none" w="med" len="med"/>
+            <a:tailEnd type="none" w="med" len="med"/>
+          </a:ln>
+        </p:spPr>
+        <p:style>
+          <a:lnRef idx="0">
+            <a:schemeClr val="accent1"/>
+          </a:lnRef>
+          <a:fillRef idx="3">
+            <a:schemeClr val="accent1"/>
+          </a:fillRef>
+          <a:effectRef idx="3">
+            <a:schemeClr val="accent1"/>
+          </a:effectRef>
+          <a:fontRef idx="minor">
+            <a:schemeClr val="lt1"/>
+          </a:fontRef>
+        </p:style>
+        <p:txBody>
+          <a:bodyPr rtlCol="0" anchor="ctr"/>
+          <a:lstStyle/>
+          <a:p>
+            <a:pPr algn="ctr"/>
+            <a:r>
+              <a:rPr lang="en-US" dirty="0"/>
+              <a:t>city.js</a:t>
+            </a:r>
+            <a:endParaRPr lang="en-DE" dirty="0"/>
+          </a:p>
+        </p:txBody>
+      </p:sp>
+      <p:sp>
+        <p:nvSpPr>
+          <p:cNvPr id="28" name="Rechteck 27">
+            <a:extLst>
+              <a:ext uri="{FF2B5EF4-FFF2-40B4-BE49-F238E27FC236}">
+                <a16:creationId xmlns:a16="http://schemas.microsoft.com/office/drawing/2014/main" id="{F51F429E-29BE-411A-ACD4-9D4CF196B5AC}"/>
+              </a:ext>
+            </a:extLst>
+          </p:cNvPr>
+          <p:cNvSpPr/>
+          <p:nvPr/>
+        </p:nvSpPr>
+        <p:spPr>
+          <a:xfrm>
+            <a:off x="4857225" y="2657609"/>
+            <a:ext cx="2067887" cy="553673"/>
+          </a:xfrm>
+          <a:prstGeom prst="rect">
+            <a:avLst/>
+          </a:prstGeom>
+          <a:ln>
+            <a:headEnd type="none" w="med" len="med"/>
+            <a:tailEnd type="none" w="med" len="med"/>
+          </a:ln>
+        </p:spPr>
+        <p:style>
+          <a:lnRef idx="0">
+            <a:schemeClr val="accent1"/>
+          </a:lnRef>
+          <a:fillRef idx="3">
+            <a:schemeClr val="accent1"/>
+          </a:fillRef>
+          <a:effectRef idx="3">
+            <a:schemeClr val="accent1"/>
+          </a:effectRef>
+          <a:fontRef idx="minor">
+            <a:schemeClr val="lt1"/>
+          </a:fontRef>
+        </p:style>
+        <p:txBody>
+          <a:bodyPr rtlCol="0" anchor="ctr"/>
+          <a:lstStyle/>
+          <a:p>
+            <a:pPr algn="ctr"/>
+            <a:r>
+              <a:rPr lang="en-US" dirty="0"/>
+              <a:t>userService.js</a:t>
+            </a:r>
+            <a:endParaRPr lang="en-DE" dirty="0"/>
+          </a:p>
+        </p:txBody>
+      </p:sp>
     </p:spTree>
     <p:extLst>
       <p:ext uri="{BB962C8B-B14F-4D97-AF65-F5344CB8AC3E}">

--- a/images/backendstruktur.pptx
+++ b/images/backendstruktur.pptx
@@ -198,7 +198,7 @@
           <a:p>
             <a:fld id="{E71607D5-80FF-4A9B-9C1D-5B25545A6D10}" type="datetimeFigureOut">
               <a:rPr lang="en-DE" smtClean="0"/>
-              <a:t>15/05/2021</a:t>
+              <a:t>16/05/2021</a:t>
             </a:fld>
             <a:endParaRPr lang="en-DE"/>
           </a:p>
@@ -615,7 +615,7 @@
           <a:p>
             <a:fld id="{2F18ADCA-FBE7-493E-9E09-BBC3DE1E243B}" type="datetimeFigureOut">
               <a:rPr lang="en-DE" smtClean="0"/>
-              <a:t>15/05/2021</a:t>
+              <a:t>16/05/2021</a:t>
             </a:fld>
             <a:endParaRPr lang="en-DE"/>
           </a:p>
@@ -815,7 +815,7 @@
           <a:p>
             <a:fld id="{2F18ADCA-FBE7-493E-9E09-BBC3DE1E243B}" type="datetimeFigureOut">
               <a:rPr lang="en-DE" smtClean="0"/>
-              <a:t>15/05/2021</a:t>
+              <a:t>16/05/2021</a:t>
             </a:fld>
             <a:endParaRPr lang="en-DE"/>
           </a:p>
@@ -1025,7 +1025,7 @@
           <a:p>
             <a:fld id="{2F18ADCA-FBE7-493E-9E09-BBC3DE1E243B}" type="datetimeFigureOut">
               <a:rPr lang="en-DE" smtClean="0"/>
-              <a:t>15/05/2021</a:t>
+              <a:t>16/05/2021</a:t>
             </a:fld>
             <a:endParaRPr lang="en-DE"/>
           </a:p>
@@ -1225,7 +1225,7 @@
           <a:p>
             <a:fld id="{2F18ADCA-FBE7-493E-9E09-BBC3DE1E243B}" type="datetimeFigureOut">
               <a:rPr lang="en-DE" smtClean="0"/>
-              <a:t>15/05/2021</a:t>
+              <a:t>16/05/2021</a:t>
             </a:fld>
             <a:endParaRPr lang="en-DE"/>
           </a:p>
@@ -1501,7 +1501,7 @@
           <a:p>
             <a:fld id="{2F18ADCA-FBE7-493E-9E09-BBC3DE1E243B}" type="datetimeFigureOut">
               <a:rPr lang="en-DE" smtClean="0"/>
-              <a:t>15/05/2021</a:t>
+              <a:t>16/05/2021</a:t>
             </a:fld>
             <a:endParaRPr lang="en-DE"/>
           </a:p>
@@ -1769,7 +1769,7 @@
           <a:p>
             <a:fld id="{2F18ADCA-FBE7-493E-9E09-BBC3DE1E243B}" type="datetimeFigureOut">
               <a:rPr lang="en-DE" smtClean="0"/>
-              <a:t>15/05/2021</a:t>
+              <a:t>16/05/2021</a:t>
             </a:fld>
             <a:endParaRPr lang="en-DE"/>
           </a:p>
@@ -2184,7 +2184,7 @@
           <a:p>
             <a:fld id="{2F18ADCA-FBE7-493E-9E09-BBC3DE1E243B}" type="datetimeFigureOut">
               <a:rPr lang="en-DE" smtClean="0"/>
-              <a:t>15/05/2021</a:t>
+              <a:t>16/05/2021</a:t>
             </a:fld>
             <a:endParaRPr lang="en-DE"/>
           </a:p>
@@ -2326,7 +2326,7 @@
           <a:p>
             <a:fld id="{2F18ADCA-FBE7-493E-9E09-BBC3DE1E243B}" type="datetimeFigureOut">
               <a:rPr lang="en-DE" smtClean="0"/>
-              <a:t>15/05/2021</a:t>
+              <a:t>16/05/2021</a:t>
             </a:fld>
             <a:endParaRPr lang="en-DE"/>
           </a:p>
@@ -2439,7 +2439,7 @@
           <a:p>
             <a:fld id="{2F18ADCA-FBE7-493E-9E09-BBC3DE1E243B}" type="datetimeFigureOut">
               <a:rPr lang="en-DE" smtClean="0"/>
-              <a:t>15/05/2021</a:t>
+              <a:t>16/05/2021</a:t>
             </a:fld>
             <a:endParaRPr lang="en-DE"/>
           </a:p>
@@ -2752,7 +2752,7 @@
           <a:p>
             <a:fld id="{2F18ADCA-FBE7-493E-9E09-BBC3DE1E243B}" type="datetimeFigureOut">
               <a:rPr lang="en-DE" smtClean="0"/>
-              <a:t>15/05/2021</a:t>
+              <a:t>16/05/2021</a:t>
             </a:fld>
             <a:endParaRPr lang="en-DE"/>
           </a:p>
@@ -3041,7 +3041,7 @@
           <a:p>
             <a:fld id="{2F18ADCA-FBE7-493E-9E09-BBC3DE1E243B}" type="datetimeFigureOut">
               <a:rPr lang="en-DE" smtClean="0"/>
-              <a:t>15/05/2021</a:t>
+              <a:t>16/05/2021</a:t>
             </a:fld>
             <a:endParaRPr lang="en-DE"/>
           </a:p>
@@ -3284,7 +3284,7 @@
           <a:p>
             <a:fld id="{2F18ADCA-FBE7-493E-9E09-BBC3DE1E243B}" type="datetimeFigureOut">
               <a:rPr lang="en-DE" smtClean="0"/>
-              <a:t>15/05/2021</a:t>
+              <a:t>16/05/2021</a:t>
             </a:fld>
             <a:endParaRPr lang="en-DE"/>
           </a:p>
@@ -5597,6 +5597,459 @@
           </a:p>
         </p:txBody>
       </p:sp>
+      <p:sp>
+        <p:nvSpPr>
+          <p:cNvPr id="12" name="Rechteck 11">
+            <a:extLst>
+              <a:ext uri="{FF2B5EF4-FFF2-40B4-BE49-F238E27FC236}">
+                <a16:creationId xmlns:a16="http://schemas.microsoft.com/office/drawing/2014/main" id="{AA7DA7E5-9368-48EF-BC99-A7EDF14E1BE8}"/>
+              </a:ext>
+            </a:extLst>
+          </p:cNvPr>
+          <p:cNvSpPr/>
+          <p:nvPr/>
+        </p:nvSpPr>
+        <p:spPr>
+          <a:xfrm>
+            <a:off x="6944971" y="5230457"/>
+            <a:ext cx="4438889" cy="1309804"/>
+          </a:xfrm>
+          <a:prstGeom prst="rect">
+            <a:avLst/>
+          </a:prstGeom>
+          <a:noFill/>
+          <a:ln w="9525" cap="flat" cmpd="sng" algn="ctr">
+            <a:solidFill>
+              <a:schemeClr val="dk1"/>
+            </a:solidFill>
+            <a:prstDash val="solid"/>
+            <a:round/>
+            <a:headEnd type="none" w="med" len="med"/>
+            <a:tailEnd type="none" w="med" len="med"/>
+          </a:ln>
+        </p:spPr>
+        <p:style>
+          <a:lnRef idx="0">
+            <a:scrgbClr r="0" g="0" b="0"/>
+          </a:lnRef>
+          <a:fillRef idx="0">
+            <a:scrgbClr r="0" g="0" b="0"/>
+          </a:fillRef>
+          <a:effectRef idx="0">
+            <a:scrgbClr r="0" g="0" b="0"/>
+          </a:effectRef>
+          <a:fontRef idx="minor">
+            <a:schemeClr val="dk1"/>
+          </a:fontRef>
+        </p:style>
+        <p:txBody>
+          <a:bodyPr rtlCol="0" anchor="ctr"/>
+          <a:lstStyle/>
+          <a:p>
+            <a:r>
+              <a:rPr lang="en-US" dirty="0"/>
+              <a:t>  </a:t>
+            </a:r>
+          </a:p>
+          <a:p>
+            <a:endParaRPr lang="en-US" dirty="0"/>
+          </a:p>
+          <a:p>
+            <a:endParaRPr lang="en-US" dirty="0"/>
+          </a:p>
+          <a:p>
+            <a:endParaRPr lang="en-DE" dirty="0"/>
+          </a:p>
+        </p:txBody>
+      </p:sp>
+      <p:sp>
+        <p:nvSpPr>
+          <p:cNvPr id="13" name="Zylinder 12">
+            <a:extLst>
+              <a:ext uri="{FF2B5EF4-FFF2-40B4-BE49-F238E27FC236}">
+                <a16:creationId xmlns:a16="http://schemas.microsoft.com/office/drawing/2014/main" id="{6C176D09-9525-4B42-B951-CD7B9F5CBB5B}"/>
+              </a:ext>
+            </a:extLst>
+          </p:cNvPr>
+          <p:cNvSpPr/>
+          <p:nvPr/>
+        </p:nvSpPr>
+        <p:spPr>
+          <a:xfrm>
+            <a:off x="10558618" y="5671102"/>
+            <a:ext cx="649073" cy="629690"/>
+          </a:xfrm>
+          <a:prstGeom prst="can">
+            <a:avLst/>
+          </a:prstGeom>
+        </p:spPr>
+        <p:style>
+          <a:lnRef idx="2">
+            <a:schemeClr val="accent1">
+              <a:shade val="50000"/>
+            </a:schemeClr>
+          </a:lnRef>
+          <a:fillRef idx="1">
+            <a:schemeClr val="accent1"/>
+          </a:fillRef>
+          <a:effectRef idx="0">
+            <a:schemeClr val="accent1"/>
+          </a:effectRef>
+          <a:fontRef idx="minor">
+            <a:schemeClr val="lt1"/>
+          </a:fontRef>
+        </p:style>
+        <p:txBody>
+          <a:bodyPr rtlCol="0" anchor="ctr"/>
+          <a:lstStyle/>
+          <a:p>
+            <a:pPr algn="ctr"/>
+            <a:r>
+              <a:rPr lang="de-DE" dirty="0"/>
+              <a:t>UI</a:t>
+            </a:r>
+            <a:endParaRPr lang="de-DE" noProof="1"/>
+          </a:p>
+        </p:txBody>
+      </p:sp>
+      <p:cxnSp>
+        <p:nvCxnSpPr>
+          <p:cNvPr id="14" name="Gerade Verbindung mit Pfeil 13">
+            <a:extLst>
+              <a:ext uri="{FF2B5EF4-FFF2-40B4-BE49-F238E27FC236}">
+                <a16:creationId xmlns:a16="http://schemas.microsoft.com/office/drawing/2014/main" id="{50B82BB7-7C28-42C8-A8F6-06A133A77059}"/>
+              </a:ext>
+            </a:extLst>
+          </p:cNvPr>
+          <p:cNvCxnSpPr>
+            <a:cxnSpLocks/>
+          </p:cNvCxnSpPr>
+          <p:nvPr/>
+        </p:nvCxnSpPr>
+        <p:spPr>
+          <a:xfrm flipH="1">
+            <a:off x="5410899" y="5710040"/>
+            <a:ext cx="1794423" cy="0"/>
+          </a:xfrm>
+          <a:prstGeom prst="straightConnector1">
+            <a:avLst/>
+          </a:prstGeom>
+          <a:ln>
+            <a:tailEnd type="triangle"/>
+          </a:ln>
+        </p:spPr>
+        <p:style>
+          <a:lnRef idx="3">
+            <a:schemeClr val="accent3"/>
+          </a:lnRef>
+          <a:fillRef idx="0">
+            <a:schemeClr val="accent3"/>
+          </a:fillRef>
+          <a:effectRef idx="2">
+            <a:schemeClr val="accent3"/>
+          </a:effectRef>
+          <a:fontRef idx="minor">
+            <a:schemeClr val="tx1"/>
+          </a:fontRef>
+        </p:style>
+      </p:cxnSp>
+      <p:sp>
+        <p:nvSpPr>
+          <p:cNvPr id="15" name="Textfeld 14">
+            <a:extLst>
+              <a:ext uri="{FF2B5EF4-FFF2-40B4-BE49-F238E27FC236}">
+                <a16:creationId xmlns:a16="http://schemas.microsoft.com/office/drawing/2014/main" id="{B60CA6A3-AC95-427E-A3E9-72E5B3C85F15}"/>
+              </a:ext>
+            </a:extLst>
+          </p:cNvPr>
+          <p:cNvSpPr txBox="1"/>
+          <p:nvPr/>
+        </p:nvSpPr>
+        <p:spPr>
+          <a:xfrm>
+            <a:off x="5333888" y="5314960"/>
+            <a:ext cx="1611082" cy="369332"/>
+          </a:xfrm>
+          <a:prstGeom prst="rect">
+            <a:avLst/>
+          </a:prstGeom>
+          <a:noFill/>
+        </p:spPr>
+        <p:txBody>
+          <a:bodyPr wrap="none" rtlCol="0">
+            <a:spAutoFit/>
+          </a:bodyPr>
+          <a:lstStyle/>
+          <a:p>
+            <a:r>
+              <a:rPr lang="en-US" dirty="0"/>
+              <a:t>HTTPS-Request</a:t>
+            </a:r>
+            <a:endParaRPr lang="en-DE" dirty="0"/>
+          </a:p>
+        </p:txBody>
+      </p:sp>
+      <p:cxnSp>
+        <p:nvCxnSpPr>
+          <p:cNvPr id="23" name="Gerade Verbindung mit Pfeil 22">
+            <a:extLst>
+              <a:ext uri="{FF2B5EF4-FFF2-40B4-BE49-F238E27FC236}">
+                <a16:creationId xmlns:a16="http://schemas.microsoft.com/office/drawing/2014/main" id="{E29A7290-DFFB-411E-9EC7-E3FC2962FC99}"/>
+              </a:ext>
+            </a:extLst>
+          </p:cNvPr>
+          <p:cNvCxnSpPr>
+            <a:cxnSpLocks/>
+          </p:cNvCxnSpPr>
+          <p:nvPr/>
+        </p:nvCxnSpPr>
+        <p:spPr>
+          <a:xfrm>
+            <a:off x="5410899" y="6180987"/>
+            <a:ext cx="1778600" cy="1"/>
+          </a:xfrm>
+          <a:prstGeom prst="straightConnector1">
+            <a:avLst/>
+          </a:prstGeom>
+          <a:ln>
+            <a:tailEnd type="triangle"/>
+          </a:ln>
+        </p:spPr>
+        <p:style>
+          <a:lnRef idx="3">
+            <a:schemeClr val="accent3"/>
+          </a:lnRef>
+          <a:fillRef idx="0">
+            <a:schemeClr val="accent3"/>
+          </a:fillRef>
+          <a:effectRef idx="2">
+            <a:schemeClr val="accent3"/>
+          </a:effectRef>
+          <a:fontRef idx="minor">
+            <a:schemeClr val="tx1"/>
+          </a:fontRef>
+        </p:style>
+      </p:cxnSp>
+      <p:sp>
+        <p:nvSpPr>
+          <p:cNvPr id="24" name="Textfeld 23">
+            <a:extLst>
+              <a:ext uri="{FF2B5EF4-FFF2-40B4-BE49-F238E27FC236}">
+                <a16:creationId xmlns:a16="http://schemas.microsoft.com/office/drawing/2014/main" id="{406E0E3C-D6BB-4E96-B7AB-CA501029845D}"/>
+              </a:ext>
+            </a:extLst>
+          </p:cNvPr>
+          <p:cNvSpPr txBox="1"/>
+          <p:nvPr/>
+        </p:nvSpPr>
+        <p:spPr>
+          <a:xfrm>
+            <a:off x="5312250" y="5802663"/>
+            <a:ext cx="1748299" cy="369332"/>
+          </a:xfrm>
+          <a:prstGeom prst="rect">
+            <a:avLst/>
+          </a:prstGeom>
+          <a:noFill/>
+        </p:spPr>
+        <p:txBody>
+          <a:bodyPr wrap="none" rtlCol="0">
+            <a:spAutoFit/>
+          </a:bodyPr>
+          <a:lstStyle/>
+          <a:p>
+            <a:r>
+              <a:rPr lang="en-US" dirty="0"/>
+              <a:t>HTTPS-Response</a:t>
+            </a:r>
+            <a:endParaRPr lang="en-DE" dirty="0"/>
+          </a:p>
+        </p:txBody>
+      </p:sp>
+      <p:sp>
+        <p:nvSpPr>
+          <p:cNvPr id="26" name="Rechteck 25">
+            <a:extLst>
+              <a:ext uri="{FF2B5EF4-FFF2-40B4-BE49-F238E27FC236}">
+                <a16:creationId xmlns:a16="http://schemas.microsoft.com/office/drawing/2014/main" id="{A41C8766-B740-469F-9514-2810DF833113}"/>
+              </a:ext>
+            </a:extLst>
+          </p:cNvPr>
+          <p:cNvSpPr/>
+          <p:nvPr/>
+        </p:nvSpPr>
+        <p:spPr>
+          <a:xfrm>
+            <a:off x="7189499" y="5671109"/>
+            <a:ext cx="1132514" cy="629690"/>
+          </a:xfrm>
+          <a:prstGeom prst="rect">
+            <a:avLst/>
+          </a:prstGeom>
+        </p:spPr>
+        <p:style>
+          <a:lnRef idx="2">
+            <a:schemeClr val="accent1">
+              <a:shade val="50000"/>
+            </a:schemeClr>
+          </a:lnRef>
+          <a:fillRef idx="1">
+            <a:schemeClr val="accent1"/>
+          </a:fillRef>
+          <a:effectRef idx="0">
+            <a:schemeClr val="accent1"/>
+          </a:effectRef>
+          <a:fontRef idx="minor">
+            <a:schemeClr val="lt1"/>
+          </a:fontRef>
+        </p:style>
+        <p:txBody>
+          <a:bodyPr rtlCol="0" anchor="ctr"/>
+          <a:lstStyle/>
+          <a:p>
+            <a:pPr algn="ctr"/>
+            <a:r>
+              <a:rPr lang="en-US" dirty="0"/>
+              <a:t>Services</a:t>
+            </a:r>
+            <a:endParaRPr lang="en-DE" dirty="0"/>
+          </a:p>
+        </p:txBody>
+      </p:sp>
+      <p:sp>
+        <p:nvSpPr>
+          <p:cNvPr id="27" name="Rechteck 26">
+            <a:extLst>
+              <a:ext uri="{FF2B5EF4-FFF2-40B4-BE49-F238E27FC236}">
+                <a16:creationId xmlns:a16="http://schemas.microsoft.com/office/drawing/2014/main" id="{59ADC7FA-A071-4A9C-A2F3-8EA347545791}"/>
+              </a:ext>
+            </a:extLst>
+          </p:cNvPr>
+          <p:cNvSpPr/>
+          <p:nvPr/>
+        </p:nvSpPr>
+        <p:spPr>
+          <a:xfrm>
+            <a:off x="8901875" y="5671109"/>
+            <a:ext cx="1104198" cy="629690"/>
+          </a:xfrm>
+          <a:prstGeom prst="rect">
+            <a:avLst/>
+          </a:prstGeom>
+        </p:spPr>
+        <p:style>
+          <a:lnRef idx="2">
+            <a:schemeClr val="accent1">
+              <a:shade val="50000"/>
+            </a:schemeClr>
+          </a:lnRef>
+          <a:fillRef idx="1">
+            <a:schemeClr val="accent1"/>
+          </a:fillRef>
+          <a:effectRef idx="0">
+            <a:schemeClr val="accent1"/>
+          </a:effectRef>
+          <a:fontRef idx="minor">
+            <a:schemeClr val="lt1"/>
+          </a:fontRef>
+        </p:style>
+        <p:txBody>
+          <a:bodyPr rtlCol="0" anchor="ctr"/>
+          <a:lstStyle/>
+          <a:p>
+            <a:pPr algn="ctr"/>
+            <a:r>
+              <a:rPr lang="en-US" dirty="0"/>
+              <a:t>Manager</a:t>
+            </a:r>
+            <a:endParaRPr lang="en-DE" dirty="0"/>
+          </a:p>
+        </p:txBody>
+      </p:sp>
+      <p:cxnSp>
+        <p:nvCxnSpPr>
+          <p:cNvPr id="28" name="Gerade Verbindung mit Pfeil 27">
+            <a:extLst>
+              <a:ext uri="{FF2B5EF4-FFF2-40B4-BE49-F238E27FC236}">
+                <a16:creationId xmlns:a16="http://schemas.microsoft.com/office/drawing/2014/main" id="{E9B877AA-2BB3-4D45-B094-182EDB19F1A6}"/>
+              </a:ext>
+            </a:extLst>
+          </p:cNvPr>
+          <p:cNvCxnSpPr>
+            <a:cxnSpLocks/>
+          </p:cNvCxnSpPr>
+          <p:nvPr/>
+        </p:nvCxnSpPr>
+        <p:spPr>
+          <a:xfrm>
+            <a:off x="8322013" y="5985954"/>
+            <a:ext cx="552545" cy="0"/>
+          </a:xfrm>
+          <a:prstGeom prst="straightConnector1">
+            <a:avLst/>
+          </a:prstGeom>
+          <a:ln>
+            <a:headEnd type="triangle"/>
+            <a:tailEnd type="triangle"/>
+          </a:ln>
+        </p:spPr>
+        <p:style>
+          <a:lnRef idx="1">
+            <a:schemeClr val="accent2"/>
+          </a:lnRef>
+          <a:fillRef idx="0">
+            <a:schemeClr val="accent2"/>
+          </a:fillRef>
+          <a:effectRef idx="0">
+            <a:schemeClr val="accent2"/>
+          </a:effectRef>
+          <a:fontRef idx="minor">
+            <a:schemeClr val="tx1"/>
+          </a:fontRef>
+        </p:style>
+      </p:cxnSp>
+      <p:cxnSp>
+        <p:nvCxnSpPr>
+          <p:cNvPr id="30" name="Gerade Verbindung mit Pfeil 29">
+            <a:extLst>
+              <a:ext uri="{FF2B5EF4-FFF2-40B4-BE49-F238E27FC236}">
+                <a16:creationId xmlns:a16="http://schemas.microsoft.com/office/drawing/2014/main" id="{CEE55AAF-CD3E-49BA-9A46-E9AEF98D50AF}"/>
+              </a:ext>
+            </a:extLst>
+          </p:cNvPr>
+          <p:cNvCxnSpPr>
+            <a:cxnSpLocks/>
+          </p:cNvCxnSpPr>
+          <p:nvPr/>
+        </p:nvCxnSpPr>
+        <p:spPr>
+          <a:xfrm>
+            <a:off x="10006073" y="5985256"/>
+            <a:ext cx="552545" cy="0"/>
+          </a:xfrm>
+          <a:prstGeom prst="straightConnector1">
+            <a:avLst/>
+          </a:prstGeom>
+          <a:ln>
+            <a:headEnd type="triangle"/>
+            <a:tailEnd type="triangle"/>
+          </a:ln>
+        </p:spPr>
+        <p:style>
+          <a:lnRef idx="1">
+            <a:schemeClr val="accent2"/>
+          </a:lnRef>
+          <a:fillRef idx="0">
+            <a:schemeClr val="accent2"/>
+          </a:fillRef>
+          <a:effectRef idx="0">
+            <a:schemeClr val="accent2"/>
+          </a:effectRef>
+          <a:fontRef idx="minor">
+            <a:schemeClr val="tx1"/>
+          </a:fontRef>
+        </p:style>
+      </p:cxnSp>
     </p:spTree>
     <p:extLst>
       <p:ext uri="{BB962C8B-B14F-4D97-AF65-F5344CB8AC3E}">
